--- a/ppt/3차 발표.pptx
+++ b/ppt/3차 발표.pptx
@@ -4700,14 +4700,14 @@
             <p:ph idx="1"/>
             <p:extLst>
               <p:ext uri="{D42A27DB-BD31-4B8C-83A1-F6EECF244321}">
-                <p14:modId xmlns:p14="http://schemas.microsoft.com/office/powerpoint/2010/main" val="1950393729"/>
+                <p14:modId xmlns:p14="http://schemas.microsoft.com/office/powerpoint/2010/main" val="4017510734"/>
               </p:ext>
             </p:extLst>
           </p:nvPr>
         </p:nvGraphicFramePr>
         <p:xfrm>
           <a:off x="144379" y="447972"/>
-          <a:ext cx="11887199" cy="6410027"/>
+          <a:ext cx="11887199" cy="5547654"/>
         </p:xfrm>
         <a:graphic>
           <a:graphicData uri="http://schemas.openxmlformats.org/drawingml/2006/table">
@@ -5015,8 +5015,16 @@
                     <a:p>
                       <a:pPr latinLnBrk="1"/>
                       <a:r>
+                        <a:rPr lang="ko-KR" altLang="en-US" b="0" dirty="0">
+                          <a:solidFill>
+                            <a:schemeClr val="tx1"/>
+                          </a:solidFill>
+                        </a:rPr>
+                        <a:t>플레이어</a:t>
+                      </a:r>
+                      <a:r>
                         <a:rPr lang="ko-KR" altLang="en-US" dirty="0"/>
-                        <a:t>플레이어 캐릭터 </a:t>
+                        <a:t> 캐릭터 </a:t>
                       </a:r>
                       <a:r>
                         <a:rPr lang="en-US" altLang="ko-KR" dirty="0"/>
@@ -5214,7 +5222,15 @@
                       <a:pPr algn="ctr" latinLnBrk="1"/>
                       <a:r>
                         <a:rPr lang="en-US" altLang="ko-KR" dirty="0"/>
-                        <a:t>80%</a:t>
+                        <a:t>7</a:t>
+                      </a:r>
+                      <a:r>
+                        <a:rPr lang="en-US" altLang="ko-KR"/>
+                        <a:t>0</a:t>
+                      </a:r>
+                      <a:r>
+                        <a:rPr lang="en-US" altLang="ko-KR" dirty="0"/>
+                        <a:t>%</a:t>
                       </a:r>
                       <a:endParaRPr lang="ko-KR" altLang="en-US" dirty="0"/>
                     </a:p>
@@ -5273,7 +5289,7 @@
                       <a:pPr latinLnBrk="1"/>
                       <a:r>
                         <a:rPr lang="ko-KR" altLang="en-US" dirty="0"/>
-                        <a:t>캐릭터 컨트롤러</a:t>
+                        <a:t>캐릭터 조작</a:t>
                       </a:r>
                     </a:p>
                   </a:txBody>
@@ -5629,7 +5645,7 @@
                       <a:pPr latinLnBrk="1"/>
                       <a:r>
                         <a:rPr lang="ko-KR" altLang="en-US" dirty="0"/>
-                        <a:t>모든 몬스터 처치 전까지 맵 이동불가</a:t>
+                        <a:t>모든 몬스터 처치 전까지 스테이지 이동불가</a:t>
                       </a:r>
                     </a:p>
                   </a:txBody>
@@ -5696,7 +5712,7 @@
                       <a:pPr latinLnBrk="1"/>
                       <a:r>
                         <a:rPr lang="ko-KR" altLang="en-US" dirty="0"/>
-                        <a:t>맵 이동 </a:t>
+                        <a:t>스테이지 이동 </a:t>
                       </a:r>
                       <a:r>
                         <a:rPr lang="en-US" altLang="ko-KR" dirty="0"/>
@@ -5873,7 +5889,7 @@
                       </a:r>
                       <a:r>
                         <a:rPr lang="en-US" altLang="ko-KR" dirty="0"/>
-                        <a:t>1~2</a:t>
+                        <a:t>2</a:t>
                       </a:r>
                       <a:r>
                         <a:rPr lang="ko-KR" altLang="en-US" dirty="0"/>
@@ -6067,261 +6083,6 @@
                 <a:extLst>
                   <a:ext uri="{0D108BD9-81ED-4DB2-BD59-A6C34878D82A}">
                     <a16:rowId xmlns:a16="http://schemas.microsoft.com/office/drawing/2014/main" val="799174733"/>
-                  </a:ext>
-                </a:extLst>
-              </a:tr>
-              <a:tr h="862373">
-                <a:tc>
-                  <a:txBody>
-                    <a:bodyPr/>
-                    <a:lstStyle/>
-                    <a:p>
-                      <a:pPr latinLnBrk="1"/>
-                      <a:r>
-                        <a:rPr lang="ko-KR" altLang="en-US" dirty="0"/>
-                        <a:t>사운드</a:t>
-                      </a:r>
-                    </a:p>
-                  </a:txBody>
-                  <a:tcPr>
-                    <a:lnL w="12700" cap="flat" cmpd="sng" algn="ctr">
-                      <a:solidFill>
-                        <a:schemeClr val="tx1"/>
-                      </a:solidFill>
-                      <a:prstDash val="solid"/>
-                      <a:round/>
-                      <a:headEnd type="none" w="med" len="med"/>
-                      <a:tailEnd type="none" w="med" len="med"/>
-                    </a:lnL>
-                    <a:lnR w="12700" cap="flat" cmpd="sng" algn="ctr">
-                      <a:solidFill>
-                        <a:schemeClr val="tx1"/>
-                      </a:solidFill>
-                      <a:prstDash val="solid"/>
-                      <a:round/>
-                      <a:headEnd type="none" w="med" len="med"/>
-                      <a:tailEnd type="none" w="med" len="med"/>
-                    </a:lnR>
-                    <a:lnT w="12700" cap="flat" cmpd="sng" algn="ctr">
-                      <a:solidFill>
-                        <a:schemeClr val="tx1"/>
-                      </a:solidFill>
-                      <a:prstDash val="solid"/>
-                      <a:round/>
-                      <a:headEnd type="none" w="med" len="med"/>
-                      <a:tailEnd type="none" w="med" len="med"/>
-                    </a:lnT>
-                    <a:lnB w="12700" cap="flat" cmpd="sng" algn="ctr">
-                      <a:solidFill>
-                        <a:schemeClr val="tx1"/>
-                      </a:solidFill>
-                      <a:prstDash val="solid"/>
-                      <a:round/>
-                      <a:headEnd type="none" w="med" len="med"/>
-                      <a:tailEnd type="none" w="med" len="med"/>
-                    </a:lnB>
-                  </a:tcPr>
-                </a:tc>
-                <a:tc>
-                  <a:txBody>
-                    <a:bodyPr/>
-                    <a:lstStyle/>
-                    <a:p>
-                      <a:pPr latinLnBrk="1"/>
-                      <a:r>
-                        <a:rPr lang="ko-KR" altLang="en-US" dirty="0"/>
-                        <a:t>일반 스테이지와 보스 스테이지 </a:t>
-                      </a:r>
-                      <a:r>
-                        <a:rPr lang="en-US" altLang="ko-KR" dirty="0"/>
-                        <a:t>BGM</a:t>
-                      </a:r>
-                    </a:p>
-                    <a:p>
-                      <a:pPr latinLnBrk="1"/>
-                      <a:r>
-                        <a:rPr lang="ko-KR" altLang="en-US" dirty="0"/>
-                        <a:t>캐릭터 애니메이션 사운드</a:t>
-                      </a:r>
-                    </a:p>
-                  </a:txBody>
-                  <a:tcPr>
-                    <a:lnL w="12700" cap="flat" cmpd="sng" algn="ctr">
-                      <a:solidFill>
-                        <a:schemeClr val="tx1"/>
-                      </a:solidFill>
-                      <a:prstDash val="solid"/>
-                      <a:round/>
-                      <a:headEnd type="none" w="med" len="med"/>
-                      <a:tailEnd type="none" w="med" len="med"/>
-                    </a:lnL>
-                    <a:lnR w="12700" cap="flat" cmpd="sng" algn="ctr">
-                      <a:solidFill>
-                        <a:schemeClr val="tx1"/>
-                      </a:solidFill>
-                      <a:prstDash val="solid"/>
-                      <a:round/>
-                      <a:headEnd type="none" w="med" len="med"/>
-                      <a:tailEnd type="none" w="med" len="med"/>
-                    </a:lnR>
-                    <a:lnT w="12700" cap="flat" cmpd="sng" algn="ctr">
-                      <a:solidFill>
-                        <a:schemeClr val="tx1"/>
-                      </a:solidFill>
-                      <a:prstDash val="solid"/>
-                      <a:round/>
-                      <a:headEnd type="none" w="med" len="med"/>
-                      <a:tailEnd type="none" w="med" len="med"/>
-                    </a:lnT>
-                    <a:lnB w="12700" cap="flat" cmpd="sng" algn="ctr">
-                      <a:solidFill>
-                        <a:schemeClr val="tx1"/>
-                      </a:solidFill>
-                      <a:prstDash val="solid"/>
-                      <a:round/>
-                      <a:headEnd type="none" w="med" len="med"/>
-                      <a:tailEnd type="none" w="med" len="med"/>
-                    </a:lnB>
-                  </a:tcPr>
-                </a:tc>
-                <a:tc>
-                  <a:txBody>
-                    <a:bodyPr/>
-                    <a:lstStyle/>
-                    <a:p>
-                      <a:pPr latinLnBrk="1"/>
-                      <a:r>
-                        <a:rPr lang="en-US" altLang="ko-KR" dirty="0"/>
-                        <a:t>.wav</a:t>
-                      </a:r>
-                      <a:r>
-                        <a:rPr lang="ko-KR" altLang="en-US" dirty="0"/>
-                        <a:t>파일 수집 </a:t>
-                      </a:r>
-                      <a:r>
-                        <a:rPr lang="en-US" altLang="ko-KR" dirty="0"/>
-                        <a:t>:</a:t>
-                      </a:r>
-                      <a:r>
-                        <a:rPr lang="ko-KR" altLang="en-US" dirty="0"/>
-                        <a:t> 완료</a:t>
-                      </a:r>
-                      <a:endParaRPr lang="en-US" altLang="ko-KR" dirty="0"/>
-                    </a:p>
-                    <a:p>
-                      <a:pPr latinLnBrk="1"/>
-                      <a:r>
-                        <a:rPr lang="ko-KR" altLang="en-US" dirty="0"/>
-                        <a:t>사운드 출력 </a:t>
-                      </a:r>
-                      <a:r>
-                        <a:rPr lang="en-US" altLang="ko-KR" dirty="0"/>
-                        <a:t>: </a:t>
-                      </a:r>
-                      <a:r>
-                        <a:rPr lang="ko-KR" altLang="en-US" dirty="0"/>
-                        <a:t>차후 진행</a:t>
-                      </a:r>
-                    </a:p>
-                  </a:txBody>
-                  <a:tcPr>
-                    <a:lnL w="12700" cap="flat" cmpd="sng" algn="ctr">
-                      <a:solidFill>
-                        <a:schemeClr val="tx1"/>
-                      </a:solidFill>
-                      <a:prstDash val="solid"/>
-                      <a:round/>
-                      <a:headEnd type="none" w="med" len="med"/>
-                      <a:tailEnd type="none" w="med" len="med"/>
-                    </a:lnL>
-                    <a:lnR w="12700" cap="flat" cmpd="sng" algn="ctr">
-                      <a:solidFill>
-                        <a:schemeClr val="tx1"/>
-                      </a:solidFill>
-                      <a:prstDash val="solid"/>
-                      <a:round/>
-                      <a:headEnd type="none" w="med" len="med"/>
-                      <a:tailEnd type="none" w="med" len="med"/>
-                    </a:lnR>
-                    <a:lnT w="12700" cap="flat" cmpd="sng" algn="ctr">
-                      <a:solidFill>
-                        <a:schemeClr val="tx1"/>
-                      </a:solidFill>
-                      <a:prstDash val="solid"/>
-                      <a:round/>
-                      <a:headEnd type="none" w="med" len="med"/>
-                      <a:tailEnd type="none" w="med" len="med"/>
-                    </a:lnT>
-                    <a:lnB w="12700" cap="flat" cmpd="sng" algn="ctr">
-                      <a:solidFill>
-                        <a:schemeClr val="tx1"/>
-                      </a:solidFill>
-                      <a:prstDash val="solid"/>
-                      <a:round/>
-                      <a:headEnd type="none" w="med" len="med"/>
-                      <a:tailEnd type="none" w="med" len="med"/>
-                    </a:lnB>
-                  </a:tcPr>
-                </a:tc>
-                <a:tc>
-                  <a:txBody>
-                    <a:bodyPr/>
-                    <a:lstStyle/>
-                    <a:p>
-                      <a:pPr algn="ctr" latinLnBrk="1"/>
-                      <a:endParaRPr lang="en-US" altLang="ko-KR" dirty="0"/>
-                    </a:p>
-                    <a:p>
-                      <a:pPr algn="ctr" latinLnBrk="1"/>
-                      <a:r>
-                        <a:rPr lang="en-US" altLang="ko-KR" dirty="0"/>
-                        <a:t>90%</a:t>
-                      </a:r>
-                      <a:endParaRPr lang="ko-KR" altLang="en-US" dirty="0"/>
-                    </a:p>
-                  </a:txBody>
-                  <a:tcPr>
-                    <a:lnL w="12700" cap="flat" cmpd="sng" algn="ctr">
-                      <a:solidFill>
-                        <a:schemeClr val="tx1"/>
-                      </a:solidFill>
-                      <a:prstDash val="solid"/>
-                      <a:round/>
-                      <a:headEnd type="none" w="med" len="med"/>
-                      <a:tailEnd type="none" w="med" len="med"/>
-                    </a:lnL>
-                    <a:lnR w="12700" cap="flat" cmpd="sng" algn="ctr">
-                      <a:solidFill>
-                        <a:schemeClr val="tx1"/>
-                      </a:solidFill>
-                      <a:prstDash val="solid"/>
-                      <a:round/>
-                      <a:headEnd type="none" w="med" len="med"/>
-                      <a:tailEnd type="none" w="med" len="med"/>
-                    </a:lnR>
-                    <a:lnT w="12700" cap="flat" cmpd="sng" algn="ctr">
-                      <a:solidFill>
-                        <a:schemeClr val="tx1"/>
-                      </a:solidFill>
-                      <a:prstDash val="solid"/>
-                      <a:round/>
-                      <a:headEnd type="none" w="med" len="med"/>
-                      <a:tailEnd type="none" w="med" len="med"/>
-                    </a:lnT>
-                    <a:lnB w="12700" cap="flat" cmpd="sng" algn="ctr">
-                      <a:solidFill>
-                        <a:schemeClr val="tx1"/>
-                      </a:solidFill>
-                      <a:prstDash val="solid"/>
-                      <a:round/>
-                      <a:headEnd type="none" w="med" len="med"/>
-                      <a:tailEnd type="none" w="med" len="med"/>
-                    </a:lnB>
-                  </a:tcPr>
-                </a:tc>
-                <a:extLst>
-                  <a:ext uri="{0D108BD9-81ED-4DB2-BD59-A6C34878D82A}">
-                    <a16:rowId xmlns:a16="http://schemas.microsoft.com/office/drawing/2014/main" val="458955615"/>
                   </a:ext>
                 </a:extLst>
               </a:tr>
